--- a/ann.pptx
+++ b/ann.pptx
@@ -139,7 +139,7 @@
             <a:srgbClr val="A4A3A4"/>
           </p15:clr>
         </p15:guide>
-        <p15:guide id="2" pos="2873" userDrawn="1">
+        <p15:guide id="2" pos="2834" userDrawn="1">
           <p15:clr>
             <a:srgbClr val="A4A3A4"/>
           </p15:clr>
@@ -16227,8 +16227,8 @@
         </p:nvSpPr>
         <p:spPr>
           <a:xfrm>
-            <a:off x="382905" y="4512310"/>
-            <a:ext cx="7152005" cy="386715"/>
+            <a:off x="220980" y="4512310"/>
+            <a:ext cx="7639050" cy="386715"/>
           </a:xfrm>
           <a:prstGeom prst="rect">
             <a:avLst/>
@@ -16247,26 +16247,15 @@
               <a:buNone/>
             </a:pPr>
             <a:r>
-              <a:rPr lang="en-US" altLang="en-US" sz="1600">
-                <a:solidFill>
-                  <a:schemeClr val="tx2"/>
-                </a:solidFill>
-                <a:latin typeface="+mj-lt"/>
-                <a:cs typeface="+mj-lt"/>
-                <a:hlinkClick r:id="rId2" action="ppaction://hlinkfile"/>
-              </a:rPr>
-              <a:t>Code: </a:t>
-            </a:r>
-            <a:r>
-              <a:rPr lang="en-US" altLang="ru-RU" sz="1600">
-                <a:solidFill>
-                  <a:schemeClr val="tx2"/>
-                </a:solidFill>
-                <a:latin typeface="+mj-lt"/>
-                <a:cs typeface="+mj-lt"/>
-                <a:hlinkClick r:id="rId2" action="ppaction://hlinkfile"/>
-              </a:rPr>
-              <a:t>https://github.com/sananradjabov/ANN-ActivationFunction-sigmoid-relu-tanh</a:t>
+              <a:rPr lang="en-US" altLang="ru-RU" sz="1600">
+                <a:solidFill>
+                  <a:schemeClr val="tx2"/>
+                </a:solidFill>
+                <a:latin typeface="+mj-lt"/>
+                <a:cs typeface="+mj-lt"/>
+                <a:hlinkClick r:id="rId2" tooltip="" action="ppaction://hlinkfile"/>
+              </a:rPr>
+              <a:t>Code: https://github.com/sananradjabov/ANN-ActivationFunction-sigmoid-relu-tanh-AzTU</a:t>
             </a:r>
             <a:endParaRPr lang="en-US" altLang="ru-RU" sz="1600">
               <a:solidFill>
